--- a/Lecture 24.pptx
+++ b/Lecture 24.pptx
@@ -224,7 +224,7 @@
           <a:p>
             <a:fld id="{296DB3A3-BEBB-46B6-9B07-D466DD6BDE78}" type="datetimeFigureOut">
               <a:rPr lang="en-US" smtClean="0"/>
-              <a:t>5/28/2024</a:t>
+              <a:t>6/5/2024</a:t>
             </a:fld>
             <a:endParaRPr lang="en-US"/>
           </a:p>
@@ -672,7 +672,7 @@
           <a:p>
             <a:fld id="{4BA61B16-37B5-4351-BAD5-BBF844435BAE}" type="datetime1">
               <a:rPr lang="en-US" smtClean="0"/>
-              <a:t>5/28/2024</a:t>
+              <a:t>6/5/2024</a:t>
             </a:fld>
             <a:endParaRPr lang="en-IN"/>
           </a:p>
@@ -842,7 +842,7 @@
           <a:p>
             <a:fld id="{8E100FD5-86C6-485F-803A-A299297FB22E}" type="datetime1">
               <a:rPr lang="en-US" smtClean="0"/>
-              <a:t>5/28/2024</a:t>
+              <a:t>6/5/2024</a:t>
             </a:fld>
             <a:endParaRPr lang="en-IN"/>
           </a:p>
@@ -1022,7 +1022,7 @@
           <a:p>
             <a:fld id="{89334C96-BCB9-453B-BE08-7EFAA7BAC2B9}" type="datetime1">
               <a:rPr lang="en-US" smtClean="0"/>
-              <a:t>5/28/2024</a:t>
+              <a:t>6/5/2024</a:t>
             </a:fld>
             <a:endParaRPr lang="en-IN"/>
           </a:p>
@@ -1192,7 +1192,7 @@
           <a:p>
             <a:fld id="{C867DA6E-8941-4F95-8FE7-288BDA956267}" type="datetime1">
               <a:rPr lang="en-US" smtClean="0"/>
-              <a:t>5/28/2024</a:t>
+              <a:t>6/5/2024</a:t>
             </a:fld>
             <a:endParaRPr lang="en-IN"/>
           </a:p>
@@ -1438,7 +1438,7 @@
           <a:p>
             <a:fld id="{5DA1BC97-A477-40EB-B448-98CD9ACF11AB}" type="datetime1">
               <a:rPr lang="en-US" smtClean="0"/>
-              <a:t>5/28/2024</a:t>
+              <a:t>6/5/2024</a:t>
             </a:fld>
             <a:endParaRPr lang="en-IN"/>
           </a:p>
@@ -1726,7 +1726,7 @@
           <a:p>
             <a:fld id="{7FBB0CF3-9FF8-47C2-88C7-467EA9854E64}" type="datetime1">
               <a:rPr lang="en-US" smtClean="0"/>
-              <a:t>5/28/2024</a:t>
+              <a:t>6/5/2024</a:t>
             </a:fld>
             <a:endParaRPr lang="en-IN"/>
           </a:p>
@@ -2148,7 +2148,7 @@
           <a:p>
             <a:fld id="{7F5A84D9-27F0-4063-8E2F-43C407CB0CBA}" type="datetime1">
               <a:rPr lang="en-US" smtClean="0"/>
-              <a:t>5/28/2024</a:t>
+              <a:t>6/5/2024</a:t>
             </a:fld>
             <a:endParaRPr lang="en-IN"/>
           </a:p>
@@ -2266,7 +2266,7 @@
           <a:p>
             <a:fld id="{07A1B1CD-E166-4820-9ACC-C9479FE309BE}" type="datetime1">
               <a:rPr lang="en-US" smtClean="0"/>
-              <a:t>5/28/2024</a:t>
+              <a:t>6/5/2024</a:t>
             </a:fld>
             <a:endParaRPr lang="en-IN"/>
           </a:p>
@@ -2361,7 +2361,7 @@
           <a:p>
             <a:fld id="{B735069B-088E-46AE-8F71-0EF81679F9BC}" type="datetime1">
               <a:rPr lang="en-US" smtClean="0"/>
-              <a:t>5/28/2024</a:t>
+              <a:t>6/5/2024</a:t>
             </a:fld>
             <a:endParaRPr lang="en-IN"/>
           </a:p>
@@ -2638,7 +2638,7 @@
           <a:p>
             <a:fld id="{BEF959C3-6D9B-4D3D-8A5F-C5093CF5628A}" type="datetime1">
               <a:rPr lang="en-US" smtClean="0"/>
-              <a:t>5/28/2024</a:t>
+              <a:t>6/5/2024</a:t>
             </a:fld>
             <a:endParaRPr lang="en-IN"/>
           </a:p>
@@ -2891,7 +2891,7 @@
           <a:p>
             <a:fld id="{05EFCAD9-EB91-469A-BF8F-E527E7FECA47}" type="datetime1">
               <a:rPr lang="en-US" smtClean="0"/>
-              <a:t>5/28/2024</a:t>
+              <a:t>6/5/2024</a:t>
             </a:fld>
             <a:endParaRPr lang="en-IN"/>
           </a:p>
@@ -3104,7 +3104,7 @@
           <a:p>
             <a:fld id="{BC6E0374-3565-40EF-B365-25D60598141E}" type="datetime1">
               <a:rPr lang="en-US" smtClean="0"/>
-              <a:t>5/28/2024</a:t>
+              <a:t>6/5/2024</a:t>
             </a:fld>
             <a:endParaRPr lang="en-IN"/>
           </a:p>
@@ -5780,7 +5780,7 @@
           </a:p>
           <a:p>
             <a:r>
-              <a:rPr lang="en-US"/>
+              <a:rPr lang="en-US" dirty="0"/>
               <a:t>Try-with resources</a:t>
             </a:r>
           </a:p>
